--- a/inst/styles/internal_powerpoint.pptx
+++ b/inst/styles/internal_powerpoint.pptx
@@ -197,7 +197,7 @@
           <a:p>
             <a:fld id="{F3696079-EBA5-8C41-96F3-032D52D44482}" type="datetimeFigureOut">
               <a:rPr lang="en-US" smtClean="0"/>
-              <a:t>4/16/19</a:t>
+              <a:t>4/17/19</a:t>
             </a:fld>
             <a:endParaRPr lang="en-US"/>
           </a:p>
@@ -582,10 +582,9 @@
           </a:lstStyle>
           <a:p>
             <a:r>
-              <a:rPr lang="en-US"/>
+              <a:rPr lang="en-US" dirty="0"/>
               <a:t>Click to edit Master subtitle style</a:t>
             </a:r>
-            <a:endParaRPr lang="en-US" dirty="0"/>
           </a:p>
         </p:txBody>
       </p:sp>
@@ -625,7 +624,7 @@
             <a:fld id="{01B050DD-0140-C142-BEB6-D35C9E6A78C5}" type="datetimeFigureOut">
               <a:rPr lang="en-US" smtClean="0"/>
               <a:pPr/>
-              <a:t>4/16/19</a:t>
+              <a:t>4/17/19</a:t>
             </a:fld>
             <a:endParaRPr lang="en-US" dirty="0"/>
           </a:p>
@@ -733,64 +732,82 @@
         </p:nvSpPr>
         <p:spPr/>
         <p:txBody>
+          <a:bodyPr>
+            <a:normAutofit/>
+          </a:bodyPr>
+          <a:lstStyle>
+            <a:lvl1pPr>
+              <a:defRPr sz="1800"/>
+            </a:lvl1pPr>
+            <a:lvl2pPr>
+              <a:defRPr sz="1800"/>
+            </a:lvl2pPr>
+            <a:lvl3pPr>
+              <a:defRPr sz="1800"/>
+            </a:lvl3pPr>
+            <a:lvl4pPr>
+              <a:defRPr sz="1800"/>
+            </a:lvl4pPr>
+            <a:lvl5pPr>
+              <a:defRPr sz="1800"/>
+            </a:lvl5pPr>
+          </a:lstStyle>
+          <a:p>
+            <a:pPr lvl="0"/>
+            <a:r>
+              <a:rPr lang="en-US" dirty="0" smtClean="0"/>
+              <a:t>Click to edit Master text styles</a:t>
+            </a:r>
+          </a:p>
+          <a:p>
+            <a:pPr lvl="1"/>
+            <a:r>
+              <a:rPr lang="en-US" dirty="0" smtClean="0"/>
+              <a:t>Second level</a:t>
+            </a:r>
+          </a:p>
+          <a:p>
+            <a:pPr lvl="2"/>
+            <a:r>
+              <a:rPr lang="en-US" dirty="0" smtClean="0"/>
+              <a:t>Third level</a:t>
+            </a:r>
+          </a:p>
+          <a:p>
+            <a:pPr lvl="3"/>
+            <a:r>
+              <a:rPr lang="en-US" dirty="0" smtClean="0"/>
+              <a:t>Fourth level</a:t>
+            </a:r>
+          </a:p>
+          <a:p>
+            <a:pPr lvl="4"/>
+            <a:r>
+              <a:rPr lang="en-US" dirty="0" smtClean="0"/>
+              <a:t>Fifth level</a:t>
+            </a:r>
+            <a:endParaRPr lang="en-US" dirty="0"/>
+          </a:p>
+        </p:txBody>
+      </p:sp>
+      <p:sp>
+        <p:nvSpPr>
+          <p:cNvPr id="4" name="Date Placeholder 3"/>
+          <p:cNvSpPr>
+            <a:spLocks noGrp="1"/>
+          </p:cNvSpPr>
+          <p:nvPr>
+            <p:ph type="dt" sz="half" idx="10"/>
+          </p:nvPr>
+        </p:nvSpPr>
+        <p:spPr/>
+        <p:txBody>
           <a:bodyPr/>
           <a:lstStyle/>
           <a:p>
-            <a:pPr lvl="0"/>
-            <a:r>
-              <a:rPr lang="en-US" smtClean="0"/>
-              <a:t>Click to edit Master text styles</a:t>
-            </a:r>
-          </a:p>
-          <a:p>
-            <a:pPr lvl="1"/>
-            <a:r>
-              <a:rPr lang="en-US" smtClean="0"/>
-              <a:t>Second level</a:t>
-            </a:r>
-          </a:p>
-          <a:p>
-            <a:pPr lvl="2"/>
-            <a:r>
-              <a:rPr lang="en-US" smtClean="0"/>
-              <a:t>Third level</a:t>
-            </a:r>
-          </a:p>
-          <a:p>
-            <a:pPr lvl="3"/>
-            <a:r>
-              <a:rPr lang="en-US" smtClean="0"/>
-              <a:t>Fourth level</a:t>
-            </a:r>
-          </a:p>
-          <a:p>
-            <a:pPr lvl="4"/>
-            <a:r>
-              <a:rPr lang="en-US" smtClean="0"/>
-              <a:t>Fifth level</a:t>
-            </a:r>
-            <a:endParaRPr lang="en-US"/>
-          </a:p>
-        </p:txBody>
-      </p:sp>
-      <p:sp>
-        <p:nvSpPr>
-          <p:cNvPr id="4" name="Date Placeholder 3"/>
-          <p:cNvSpPr>
-            <a:spLocks noGrp="1"/>
-          </p:cNvSpPr>
-          <p:nvPr>
-            <p:ph type="dt" sz="half" idx="10"/>
-          </p:nvPr>
-        </p:nvSpPr>
-        <p:spPr/>
-        <p:txBody>
-          <a:bodyPr/>
-          <a:lstStyle/>
-          <a:p>
             <a:fld id="{01B050DD-0140-C142-BEB6-D35C9E6A78C5}" type="datetimeFigureOut">
               <a:rPr lang="en-US" smtClean="0"/>
-              <a:t>4/16/19</a:t>
+              <a:t>4/17/19</a:t>
             </a:fld>
             <a:endParaRPr lang="en-US"/>
           </a:p>
@@ -1014,7 +1031,7 @@
           <a:p>
             <a:fld id="{01B050DD-0140-C142-BEB6-D35C9E6A78C5}" type="datetimeFigureOut">
               <a:rPr lang="en-US" smtClean="0"/>
-              <a:t>4/16/19</a:t>
+              <a:t>4/17/19</a:t>
             </a:fld>
             <a:endParaRPr lang="en-US"/>
           </a:p>
@@ -1157,38 +1174,38 @@
           <a:p>
             <a:pPr lvl="0"/>
             <a:r>
-              <a:rPr lang="en-US" smtClean="0"/>
+              <a:rPr lang="en-US" dirty="0" smtClean="0"/>
               <a:t>Click to edit Master text styles</a:t>
             </a:r>
           </a:p>
           <a:p>
             <a:pPr lvl="1"/>
             <a:r>
-              <a:rPr lang="en-US" smtClean="0"/>
+              <a:rPr lang="en-US" dirty="0" smtClean="0"/>
               <a:t>Second level</a:t>
             </a:r>
           </a:p>
           <a:p>
             <a:pPr lvl="2"/>
             <a:r>
-              <a:rPr lang="en-US" smtClean="0"/>
+              <a:rPr lang="en-US" dirty="0" smtClean="0"/>
               <a:t>Third level</a:t>
             </a:r>
           </a:p>
           <a:p>
             <a:pPr lvl="3"/>
             <a:r>
-              <a:rPr lang="en-US" smtClean="0"/>
+              <a:rPr lang="en-US" dirty="0" smtClean="0"/>
               <a:t>Fourth level</a:t>
             </a:r>
           </a:p>
           <a:p>
             <a:pPr lvl="4"/>
             <a:r>
-              <a:rPr lang="en-US" smtClean="0"/>
+              <a:rPr lang="en-US" dirty="0" smtClean="0"/>
               <a:t>Fifth level</a:t>
             </a:r>
-            <a:endParaRPr lang="en-US"/>
+            <a:endParaRPr lang="en-US" dirty="0"/>
           </a:p>
         </p:txBody>
       </p:sp>
@@ -1311,7 +1328,7 @@
             <a:fld id="{01B050DD-0140-C142-BEB6-D35C9E6A78C5}" type="datetimeFigureOut">
               <a:rPr lang="en-US" smtClean="0"/>
               <a:pPr/>
-              <a:t>4/16/19</a:t>
+              <a:t>4/17/19</a:t>
             </a:fld>
             <a:endParaRPr lang="en-US"/>
           </a:p>
@@ -1510,7 +1527,7 @@
             <a:fld id="{01B050DD-0140-C142-BEB6-D35C9E6A78C5}" type="datetimeFigureOut">
               <a:rPr lang="en-US" smtClean="0"/>
               <a:pPr/>
-              <a:t>4/16/19</a:t>
+              <a:t>4/17/19</a:t>
             </a:fld>
             <a:endParaRPr lang="en-US" dirty="0"/>
           </a:p>
@@ -1633,7 +1650,7 @@
         </a:spcBef>
         <a:buFont typeface="Arial"/>
         <a:buChar char="•"/>
-        <a:defRPr sz="2000" kern="1200">
+        <a:defRPr sz="1800" kern="1200">
           <a:solidFill>
             <a:schemeClr val="tx1"/>
           </a:solidFill>
@@ -1669,7 +1686,7 @@
         </a:spcBef>
         <a:buFont typeface="Arial"/>
         <a:buChar char="•"/>
-        <a:defRPr sz="1600" kern="1200">
+        <a:defRPr sz="1800" kern="1200">
           <a:solidFill>
             <a:schemeClr val="tx1"/>
           </a:solidFill>
@@ -1687,7 +1704,7 @@
         </a:spcBef>
         <a:buFont typeface="Arial"/>
         <a:buChar char="•"/>
-        <a:defRPr sz="1400" kern="1200">
+        <a:defRPr sz="1800" kern="1200">
           <a:solidFill>
             <a:schemeClr val="tx1"/>
           </a:solidFill>
@@ -1705,7 +1722,7 @@
         </a:spcBef>
         <a:buFont typeface="Arial"/>
         <a:buChar char="•"/>
-        <a:defRPr sz="1400" kern="1200">
+        <a:defRPr sz="1800" kern="1200">
           <a:solidFill>
             <a:schemeClr val="tx1"/>
           </a:solidFill>
@@ -1959,7 +1976,7 @@
             <a:fld id="{01B050DD-0140-C142-BEB6-D35C9E6A78C5}" type="datetimeFigureOut">
               <a:rPr lang="en-US" smtClean="0"/>
               <a:pPr/>
-              <a:t>4/16/19</a:t>
+              <a:t>4/17/19</a:t>
             </a:fld>
             <a:endParaRPr lang="en-US" dirty="0"/>
           </a:p>
